--- a/doc/meeting/0905-ModelRotation/Design of Parallel.pptx
+++ b/doc/meeting/0905-ModelRotation/Design of Parallel.pptx
@@ -6,8 +6,12 @@
   </p:sldMasterIdLst>
   <p:sldIdLst>
     <p:sldId id="256" r:id="rId3"/>
-    <p:sldId id="257" r:id="rId4"/>
-    <p:sldId id="258" r:id="rId5"/>
+    <p:sldId id="258" r:id="rId4"/>
+    <p:sldId id="259" r:id="rId5"/>
+    <p:sldId id="257" r:id="rId6"/>
+    <p:sldId id="263" r:id="rId7"/>
+    <p:sldId id="261" r:id="rId8"/>
+    <p:sldId id="262" r:id="rId9"/>
   </p:sldIdLst>
   <p:sldSz cx="12192000" cy="6858000"/>
   <p:notesSz cx="6858000" cy="9144000"/>
@@ -2980,7 +2984,7 @@
       <p:grpSpPr/>
       <p:sp>
         <p:nvSpPr>
-          <p:cNvPr id="6" name="标题 5"/>
+          <p:cNvPr id="2" name="标题 1"/>
           <p:cNvSpPr>
             <a:spLocks noGrp="1"/>
           </p:cNvSpPr>
@@ -2994,20 +2998,248 @@
           <a:p>
             <a:r>
               <a:rPr lang="x-none" altLang="zh-CN"/>
-              <a:t>Data Partition</a:t>
-            </a:r>
+              <a:t>Assumption</a:t>
+            </a:r>
+            <a:endParaRPr lang="x-none" altLang="zh-CN"/>
+          </a:p>
+        </p:txBody>
+      </p:sp>
+      <p:sp>
+        <p:nvSpPr>
+          <p:cNvPr id="3" name="内容占位符 2"/>
+          <p:cNvSpPr>
+            <a:spLocks noGrp="1"/>
+          </p:cNvSpPr>
+          <p:nvPr>
+            <p:ph idx="1"/>
+          </p:nvPr>
+        </p:nvSpPr>
+        <p:spPr>
+          <a:xfrm>
+            <a:off x="6060440" y="1826260"/>
+            <a:ext cx="5293995" cy="4351655"/>
+          </a:xfrm>
+        </p:spPr>
+        <p:txBody>
+          <a:bodyPr>
+            <a:normAutofit fontScale="80000"/>
+          </a:bodyPr>
+          <a:p>
+            <a:r>
+              <a:rPr lang="x-none" altLang="zh-CN"/>
+              <a:t>Training Data </a:t>
+            </a:r>
+            <a:r>
+              <a:rPr lang="x-none" altLang="zh-CN">
+                <a:solidFill>
+                  <a:srgbClr val="FF0000"/>
+                </a:solidFill>
+              </a:rPr>
+              <a:t>N</a:t>
+            </a:r>
+            <a:r>
+              <a:rPr lang="x-none" altLang="zh-CN"/>
+              <a:t> samples, </a:t>
+            </a:r>
+            <a:r>
+              <a:rPr lang="x-none" altLang="zh-CN">
+                <a:solidFill>
+                  <a:srgbClr val="FF0000"/>
+                </a:solidFill>
+              </a:rPr>
+              <a:t>M</a:t>
+            </a:r>
+            <a:r>
+              <a:rPr lang="x-none" altLang="zh-CN"/>
+              <a:t> Features, build tree with </a:t>
+            </a:r>
+            <a:r>
+              <a:rPr lang="x-none" altLang="zh-CN">
+                <a:solidFill>
+                  <a:srgbClr val="FF0000"/>
+                </a:solidFill>
+              </a:rPr>
+              <a:t>L</a:t>
+            </a:r>
+            <a:r>
+              <a:rPr lang="x-none" altLang="zh-CN"/>
+              <a:t> levels</a:t>
+            </a:r>
+            <a:endParaRPr lang="x-none" altLang="zh-CN"/>
+          </a:p>
+          <a:p>
+            <a:r>
+              <a:rPr lang="x-none" altLang="zh-CN">
+                <a:sym typeface="+mn-ea"/>
+              </a:rPr>
+              <a:t>Model </a:t>
+            </a:r>
+            <a:r>
+              <a:rPr lang="x-none" altLang="zh-CN"/>
+              <a:t>GHSum with bin size </a:t>
+            </a:r>
+            <a:r>
+              <a:rPr lang="x-none" altLang="zh-CN">
+                <a:solidFill>
+                  <a:srgbClr val="FF0000"/>
+                </a:solidFill>
+              </a:rPr>
+              <a:t>B</a:t>
+            </a:r>
+            <a:endParaRPr lang="x-none" altLang="zh-CN">
+              <a:solidFill>
+                <a:srgbClr val="FF0000"/>
+              </a:solidFill>
+            </a:endParaRPr>
+          </a:p>
+          <a:p>
+            <a:pPr lvl="1"/>
+            <a:r>
+              <a:rPr lang="x-none" altLang="zh-CN" sz="2400"/>
+              <a:t>at each node, size: </a:t>
+            </a:r>
+            <a:r>
+              <a:rPr lang="x-none" altLang="zh-CN" sz="2400">
+                <a:solidFill>
+                  <a:srgbClr val="0070C0"/>
+                </a:solidFill>
+              </a:rPr>
+              <a:t>B*M</a:t>
+            </a:r>
+            <a:endParaRPr lang="x-none" altLang="zh-CN" sz="2400">
+              <a:solidFill>
+                <a:srgbClr val="0070C0"/>
+              </a:solidFill>
+            </a:endParaRPr>
+          </a:p>
+          <a:p>
+            <a:pPr lvl="1"/>
+            <a:r>
+              <a:rPr lang="x-none" altLang="zh-CN"/>
+              <a:t>a</a:t>
+            </a:r>
+            <a:r>
+              <a:rPr lang="x-none" altLang="zh-CN">
+                <a:sym typeface="+mn-ea"/>
+              </a:rPr>
+              <a:t>t each level,size: </a:t>
+            </a:r>
+            <a:r>
+              <a:rPr lang="x-none" altLang="zh-CN">
+                <a:solidFill>
+                  <a:srgbClr val="0070C0"/>
+                </a:solidFill>
+                <a:sym typeface="+mn-ea"/>
+              </a:rPr>
+              <a:t>2</a:t>
+            </a:r>
+            <a:r>
+              <a:rPr lang="x-none" altLang="zh-CN" baseline="30000">
+                <a:solidFill>
+                  <a:srgbClr val="0070C0"/>
+                </a:solidFill>
+                <a:sym typeface="+mn-ea"/>
+              </a:rPr>
+              <a:t>L-1</a:t>
+            </a:r>
+            <a:r>
+              <a:rPr lang="x-none" altLang="zh-CN">
+                <a:solidFill>
+                  <a:srgbClr val="0070C0"/>
+                </a:solidFill>
+                <a:sym typeface="+mn-ea"/>
+              </a:rPr>
+              <a:t>B*M</a:t>
+            </a:r>
+            <a:endParaRPr lang="x-none" altLang="zh-CN">
+              <a:solidFill>
+                <a:srgbClr val="0070C0"/>
+              </a:solidFill>
+              <a:sym typeface="+mn-ea"/>
+            </a:endParaRPr>
+          </a:p>
+          <a:p>
+            <a:r>
+              <a:rPr lang="x-none" altLang="zh-CN"/>
+              <a:t>Higgs, for example:</a:t>
+            </a:r>
+            <a:endParaRPr lang="x-none" altLang="zh-CN"/>
+          </a:p>
+          <a:p>
+            <a:pPr lvl="1"/>
+            <a:r>
+              <a:rPr lang="x-none" altLang="zh-CN" sz="2400"/>
+              <a:t>N = 10m, M = 28, L = 6, B = 256</a:t>
+            </a:r>
+            <a:endParaRPr lang="x-none" altLang="zh-CN" sz="2400"/>
+          </a:p>
+          <a:p>
+            <a:pPr lvl="1"/>
+            <a:r>
+              <a:rPr lang="x-none" altLang="zh-CN" sz="2400"/>
+              <a:t>model size at L=6, 32*256*28&lt;&lt;10m </a:t>
+            </a:r>
+            <a:endParaRPr lang="x-none" altLang="zh-CN" sz="2400"/>
+          </a:p>
+          <a:p>
+            <a:pPr lvl="0"/>
+            <a:r>
+              <a:rPr lang="x-none" altLang="zh-CN" sz="2800"/>
+              <a:t>Most cases </a:t>
+            </a:r>
+            <a:endParaRPr lang="x-none" altLang="zh-CN" sz="2800"/>
+          </a:p>
+          <a:p>
+            <a:pPr lvl="1"/>
+            <a:r>
+              <a:rPr lang="x-none" altLang="zh-CN" sz="2400"/>
+              <a:t>dense: M &lt;1K, L&lt;8</a:t>
+            </a:r>
+            <a:endParaRPr lang="x-none" altLang="zh-CN" sz="2400"/>
+          </a:p>
+          <a:p>
+            <a:pPr lvl="1"/>
+            <a:r>
+              <a:rPr lang="x-none" altLang="zh-CN" sz="2400"/>
+              <a:t>sparse can be an issue</a:t>
+            </a:r>
+            <a:endParaRPr lang="x-none" altLang="zh-CN" sz="2400"/>
+          </a:p>
+          <a:p>
+            <a:pPr lvl="1"/>
+            <a:r>
+              <a:rPr lang="x-none" altLang="zh-CN" sz="2000"/>
+              <a:t>deep tree </a:t>
+            </a:r>
+            <a:r>
+              <a:rPr lang="x-none" altLang="zh-CN">
+                <a:sym typeface="+mn-ea"/>
+              </a:rPr>
+              <a:t>can be an issue</a:t>
+            </a:r>
+            <a:endParaRPr lang="x-none" altLang="zh-CN"/>
+          </a:p>
+          <a:p>
+            <a:pPr lvl="1"/>
+            <a:endParaRPr lang="x-none" altLang="zh-CN" sz="2400"/>
+          </a:p>
+          <a:p>
+            <a:pPr lvl="1"/>
+            <a:endParaRPr lang="x-none" altLang="zh-CN" sz="2400"/>
+          </a:p>
+          <a:p>
             <a:endParaRPr lang="x-none" altLang="zh-CN"/>
           </a:p>
         </p:txBody>
       </p:sp>
       <p:pic>
         <p:nvPicPr>
-          <p:cNvPr id="4" name="内容占位符 3" descr="dataset"/>
+          <p:cNvPr id="8" name="内容占位符 7" descr="dtree"/>
           <p:cNvPicPr>
             <a:picLocks noChangeAspect="1"/>
           </p:cNvPicPr>
           <p:nvPr>
-            <p:ph sz="half" idx="1"/>
+            <p:ph sz="half" idx="2"/>
           </p:nvPr>
         </p:nvPicPr>
         <p:blipFill>
@@ -3018,8 +3250,206 @@
         </p:blipFill>
         <p:spPr>
           <a:xfrm>
-            <a:off x="378460" y="1722755"/>
+            <a:off x="502285" y="1812290"/>
+            <a:ext cx="5181600" cy="1985645"/>
+          </a:xfrm>
+          <a:prstGeom prst="rect">
+            <a:avLst/>
+          </a:prstGeom>
+        </p:spPr>
+      </p:pic>
+    </p:spTree>
+  </p:cSld>
+  <p:clrMapOvr>
+    <a:masterClrMapping/>
+  </p:clrMapOvr>
+</p:sld>
+</file>
+
+<file path=ppt/slides/slide3.xml><?xml version="1.0" encoding="utf-8"?>
+<p:sld xmlns:a="http://schemas.openxmlformats.org/drawingml/2006/main" xmlns:r="http://schemas.openxmlformats.org/officeDocument/2006/relationships" xmlns:p="http://schemas.openxmlformats.org/presentationml/2006/main">
+  <p:cSld>
+    <p:spTree>
+      <p:nvGrpSpPr>
+        <p:cNvPr id="1" name=""/>
+        <p:cNvGrpSpPr/>
+        <p:nvPr/>
+      </p:nvGrpSpPr>
+      <p:grpSpPr/>
+      <p:sp>
+        <p:nvSpPr>
+          <p:cNvPr id="2" name="标题 1"/>
+          <p:cNvSpPr>
+            <a:spLocks noGrp="1"/>
+          </p:cNvSpPr>
+          <p:nvPr>
+            <p:ph type="title"/>
+          </p:nvPr>
+        </p:nvSpPr>
+        <p:spPr/>
+        <p:txBody>
+          <a:bodyPr/>
+          <a:p>
+            <a:r>
+              <a:rPr lang="x-none" altLang="zh-CN"/>
+              <a:t>Cache Friendly Data Orgnization</a:t>
+            </a:r>
+            <a:endParaRPr lang="x-none" altLang="zh-CN"/>
+          </a:p>
+        </p:txBody>
+      </p:sp>
+      <p:sp>
+        <p:nvSpPr>
+          <p:cNvPr id="3" name="内容占位符 2"/>
+          <p:cNvSpPr>
+            <a:spLocks noGrp="1"/>
+          </p:cNvSpPr>
+          <p:nvPr>
+            <p:ph sz="half" idx="1"/>
+          </p:nvPr>
+        </p:nvSpPr>
+        <p:spPr>
+          <a:xfrm>
+            <a:off x="5933440" y="1733550"/>
+            <a:ext cx="5181600" cy="4351338"/>
+          </a:xfrm>
+        </p:spPr>
+        <p:txBody>
+          <a:bodyPr/>
+          <a:p>
+            <a:r>
+              <a:rPr lang="x-none" altLang="zh-CN"/>
+              <a:t>Column-wised orgnization</a:t>
+            </a:r>
+            <a:endParaRPr lang="x-none" altLang="zh-CN"/>
+          </a:p>
+          <a:p>
+            <a:r>
+              <a:rPr lang="x-none" altLang="zh-CN"/>
+              <a:t>Issue: non-continuous memory access</a:t>
+            </a:r>
+            <a:endParaRPr lang="x-none" altLang="zh-CN"/>
+          </a:p>
+          <a:p>
+            <a:pPr lvl="1"/>
+            <a:r>
+              <a:rPr lang="x-none" altLang="zh-CN"/>
+              <a:t>sorted by feature values</a:t>
+            </a:r>
+            <a:endParaRPr lang="x-none" altLang="zh-CN"/>
+          </a:p>
+          <a:p>
+            <a:pPr lvl="1"/>
+            <a:r>
+              <a:rPr lang="x-none" altLang="zh-CN"/>
+              <a:t>dynamic instance set </a:t>
+            </a:r>
+            <a:endParaRPr lang="x-none" altLang="zh-CN"/>
+          </a:p>
+          <a:p>
+            <a:pPr lvl="0"/>
+            <a:r>
+              <a:rPr lang="x-none" altLang="zh-CN"/>
+              <a:t>Proposal</a:t>
+            </a:r>
+            <a:endParaRPr lang="x-none" altLang="zh-CN"/>
+          </a:p>
+          <a:p>
+            <a:pPr lvl="1"/>
+            <a:r>
+              <a:rPr lang="x-none" altLang="zh-CN"/>
+              <a:t>multi-columns as a block to fit one cache line</a:t>
+            </a:r>
+            <a:endParaRPr lang="x-none" altLang="zh-CN"/>
+          </a:p>
+        </p:txBody>
+      </p:sp>
+      <p:pic>
+        <p:nvPicPr>
+          <p:cNvPr id="4" name="内容占位符 3" descr="dataset"/>
+          <p:cNvPicPr>
+            <a:picLocks noChangeAspect="1"/>
+          </p:cNvPicPr>
+          <p:nvPr>
+            <p:ph sz="half" idx="2"/>
+          </p:nvPr>
+        </p:nvPicPr>
+        <p:blipFill>
+          <a:blip r:embed="rId1"/>
+          <a:stretch>
+            <a:fillRect/>
+          </a:stretch>
+        </p:blipFill>
+        <p:spPr>
+          <a:xfrm>
+            <a:off x="443865" y="1734185"/>
             <a:ext cx="5181600" cy="3659505"/>
+          </a:xfrm>
+          <a:prstGeom prst="rect">
+            <a:avLst/>
+          </a:prstGeom>
+        </p:spPr>
+      </p:pic>
+    </p:spTree>
+  </p:cSld>
+  <p:clrMapOvr>
+    <a:masterClrMapping/>
+  </p:clrMapOvr>
+</p:sld>
+</file>
+
+<file path=ppt/slides/slide4.xml><?xml version="1.0" encoding="utf-8"?>
+<p:sld xmlns:a="http://schemas.openxmlformats.org/drawingml/2006/main" xmlns:r="http://schemas.openxmlformats.org/officeDocument/2006/relationships" xmlns:p="http://schemas.openxmlformats.org/presentationml/2006/main">
+  <p:cSld>
+    <p:spTree>
+      <p:nvGrpSpPr>
+        <p:cNvPr id="1" name=""/>
+        <p:cNvGrpSpPr/>
+        <p:nvPr/>
+      </p:nvGrpSpPr>
+      <p:grpSpPr/>
+      <p:sp>
+        <p:nvSpPr>
+          <p:cNvPr id="6" name="标题 5"/>
+          <p:cNvSpPr>
+            <a:spLocks noGrp="1"/>
+          </p:cNvSpPr>
+          <p:nvPr>
+            <p:ph type="title"/>
+          </p:nvPr>
+        </p:nvSpPr>
+        <p:spPr/>
+        <p:txBody>
+          <a:bodyPr/>
+          <a:p>
+            <a:r>
+              <a:rPr lang="x-none" altLang="zh-CN"/>
+              <a:t>Data Partition</a:t>
+            </a:r>
+            <a:endParaRPr lang="x-none" altLang="zh-CN"/>
+          </a:p>
+        </p:txBody>
+      </p:sp>
+      <p:pic>
+        <p:nvPicPr>
+          <p:cNvPr id="4" name="内容占位符 3" descr="dataset"/>
+          <p:cNvPicPr>
+            <a:picLocks noChangeAspect="1"/>
+          </p:cNvPicPr>
+          <p:nvPr>
+            <p:ph sz="half" idx="1"/>
+          </p:nvPr>
+        </p:nvPicPr>
+        <p:blipFill>
+          <a:blip r:embed="rId1"/>
+          <a:stretch>
+            <a:fillRect/>
+          </a:stretch>
+        </p:blipFill>
+        <p:spPr>
+          <a:xfrm>
+            <a:off x="1218565" y="1608455"/>
+            <a:ext cx="3399155" cy="2400935"/>
           </a:xfrm>
           <a:prstGeom prst="rect">
             <a:avLst/>
@@ -3044,8 +3474,8 @@
         </p:blipFill>
         <p:spPr>
           <a:xfrm>
-            <a:off x="6356350" y="1904365"/>
-            <a:ext cx="5181600" cy="1985645"/>
+            <a:off x="870585" y="4274820"/>
+            <a:ext cx="4070985" cy="1560195"/>
           </a:xfrm>
           <a:prstGeom prst="rect">
             <a:avLst/>
@@ -3062,8 +3492,8 @@
         </p:nvSpPr>
         <p:spPr>
           <a:xfrm>
-            <a:off x="6175375" y="4058285"/>
-            <a:ext cx="5181600" cy="2188845"/>
+            <a:off x="6175375" y="1574800"/>
+            <a:ext cx="5181600" cy="4672965"/>
           </a:xfrm>
           <a:prstGeom prst="rect">
             <a:avLst/>
@@ -3071,7 +3501,7 @@
         </p:spPr>
         <p:txBody>
           <a:bodyPr vert="horz" lIns="91440" tIns="45720" rIns="91440" bIns="45720" rtlCol="0">
-            <a:normAutofit/>
+            <a:normAutofit lnSpcReduction="10000"/>
           </a:bodyPr>
           <a:lstStyle>
             <a:lvl1pPr marL="228600" indent="-228600" algn="l" defTabSz="914400" rtl="0" eaLnBrk="1" latinLnBrk="0" hangingPunct="1">
@@ -3241,6 +3671,53 @@
             <a:r>
               <a:rPr lang="x-none" altLang="zh-CN">
                 <a:solidFill>
+                  <a:schemeClr val="tx1"/>
+                </a:solidFill>
+              </a:rPr>
+              <a:t>In case N &gt;&gt; ModelSize</a:t>
+            </a:r>
+            <a:endParaRPr lang="x-none" altLang="zh-CN">
+              <a:solidFill>
+                <a:schemeClr val="tx1"/>
+              </a:solidFill>
+            </a:endParaRPr>
+          </a:p>
+          <a:p>
+            <a:pPr lvl="1"/>
+            <a:r>
+              <a:rPr lang="x-none" altLang="zh-CN" sz="2400">
+                <a:solidFill>
+                  <a:schemeClr val="tx1"/>
+                </a:solidFill>
+              </a:rPr>
+              <a:t>data parallelism: training data statically partitioned among nodes</a:t>
+            </a:r>
+            <a:endParaRPr lang="x-none" altLang="zh-CN" sz="2400">
+              <a:solidFill>
+                <a:schemeClr val="tx1"/>
+              </a:solidFill>
+            </a:endParaRPr>
+          </a:p>
+          <a:p>
+            <a:pPr lvl="1"/>
+            <a:r>
+              <a:rPr lang="x-none" altLang="zh-CN" sz="2400">
+                <a:solidFill>
+                  <a:schemeClr val="tx1"/>
+                </a:solidFill>
+              </a:rPr>
+              <a:t>model parallelism: optional and preferred when modelsize is big</a:t>
+            </a:r>
+            <a:endParaRPr lang="x-none" altLang="zh-CN" sz="2400">
+              <a:solidFill>
+                <a:schemeClr val="tx1"/>
+              </a:solidFill>
+            </a:endParaRPr>
+          </a:p>
+          <a:p>
+            <a:r>
+              <a:rPr lang="x-none" altLang="zh-CN">
+                <a:solidFill>
                   <a:srgbClr val="FF0000"/>
                 </a:solidFill>
               </a:rPr>
@@ -3282,7 +3759,7 @@
 </p:sld>
 </file>
 
-<file path=ppt/slides/slide3.xml><?xml version="1.0" encoding="utf-8"?>
+<file path=ppt/slides/slide5.xml><?xml version="1.0" encoding="utf-8"?>
 <p:sld xmlns:a="http://schemas.openxmlformats.org/drawingml/2006/main" xmlns:r="http://schemas.openxmlformats.org/officeDocument/2006/relationships" xmlns:p="http://schemas.openxmlformats.org/presentationml/2006/main">
   <p:cSld>
     <p:spTree>
@@ -3306,29 +3783,150 @@
         <p:txBody>
           <a:bodyPr/>
           <a:p>
-            <a:endParaRPr lang="zh-CN" altLang="en-US"/>
-          </a:p>
-        </p:txBody>
-      </p:sp>
-      <p:sp>
-        <p:nvSpPr>
-          <p:cNvPr id="3" name="内容占位符 2"/>
-          <p:cNvSpPr>
-            <a:spLocks noGrp="1"/>
-          </p:cNvSpPr>
+            <a:r>
+              <a:rPr lang="x-none" altLang="zh-CN"/>
+              <a:t>Data and Model Parallelism by Model Rotation</a:t>
+            </a:r>
+            <a:endParaRPr lang="x-none" altLang="zh-CN"/>
+          </a:p>
+        </p:txBody>
+      </p:sp>
+      <p:sp>
+        <p:nvSpPr>
+          <p:cNvPr id="4" name="内容占位符 3"/>
+          <p:cNvSpPr>
+            <a:spLocks noGrp="1"/>
+          </p:cNvSpPr>
+          <p:nvPr>
+            <p:ph sz="half" idx="2"/>
+          </p:nvPr>
+        </p:nvSpPr>
+        <p:spPr/>
+        <p:txBody>
+          <a:bodyPr>
+            <a:normAutofit lnSpcReduction="10000"/>
+          </a:bodyPr>
+          <a:p>
+            <a:pPr marL="0" lvl="1"/>
+            <a:r>
+              <a:rPr lang="x-none" altLang="zh-CN" sz="2800">
+                <a:sym typeface="+mn-ea"/>
+              </a:rPr>
+              <a:t>training data statically partitioned among nodes</a:t>
+            </a:r>
+            <a:endParaRPr lang="x-none" altLang="zh-CN" sz="2800">
+              <a:solidFill>
+                <a:schemeClr val="tx1"/>
+              </a:solidFill>
+            </a:endParaRPr>
+          </a:p>
+          <a:p>
+            <a:r>
+              <a:rPr lang="x-none" altLang="zh-CN"/>
+              <a:t>GHSum split by feature columns</a:t>
+            </a:r>
+            <a:endParaRPr lang="x-none" altLang="zh-CN"/>
+          </a:p>
+          <a:p>
+            <a:r>
+              <a:rPr lang="x-none" altLang="zh-CN"/>
+              <a:t>Scheduler to avoid update conflicts</a:t>
+            </a:r>
+            <a:endParaRPr lang="x-none" altLang="zh-CN"/>
+          </a:p>
+          <a:p>
+            <a:pPr lvl="1"/>
+            <a:r>
+              <a:rPr lang="x-none" altLang="zh-CN"/>
+              <a:t>rotate local model partition to neighbor at each sub-step</a:t>
+            </a:r>
+            <a:endParaRPr lang="x-none" altLang="zh-CN"/>
+          </a:p>
+          <a:p>
+            <a:pPr lvl="1"/>
+            <a:r>
+              <a:rPr lang="x-none" altLang="zh-CN"/>
+              <a:t>finish after K sub-steps(K nodes)</a:t>
+            </a:r>
+            <a:endParaRPr lang="x-none" altLang="zh-CN"/>
+          </a:p>
+          <a:p>
+            <a:pPr lvl="1"/>
+            <a:r>
+              <a:rPr lang="x-none" altLang="zh-CN"/>
+              <a:t>kind of a ring-allreduce</a:t>
+            </a:r>
+            <a:endParaRPr lang="x-none" altLang="zh-CN"/>
+          </a:p>
+        </p:txBody>
+      </p:sp>
+      <p:pic>
+        <p:nvPicPr>
+          <p:cNvPr id="6" name="Picture 5"/>
+          <p:cNvPicPr>
+            <a:picLocks noChangeAspect="1"/>
+          </p:cNvPicPr>
           <p:nvPr>
             <p:ph sz="half" idx="1"/>
           </p:nvPr>
-        </p:nvSpPr>
-        <p:spPr/>
-        <p:txBody>
-          <a:bodyPr/>
-          <a:p>
-            <a:r>
-              <a:rPr lang="x-none" altLang="zh-CN"/>
-              <a:t>dd</a:t>
-            </a:r>
-            <a:endParaRPr lang="x-none" altLang="zh-CN"/>
+        </p:nvPicPr>
+        <p:blipFill>
+          <a:blip r:embed="rId1"/>
+          <a:stretch>
+            <a:fillRect/>
+          </a:stretch>
+        </p:blipFill>
+        <p:spPr>
+          <a:xfrm>
+            <a:off x="944245" y="1825625"/>
+            <a:ext cx="4968875" cy="4351655"/>
+          </a:xfrm>
+          <a:prstGeom prst="rect">
+            <a:avLst/>
+          </a:prstGeom>
+        </p:spPr>
+      </p:pic>
+    </p:spTree>
+  </p:cSld>
+  <p:clrMapOvr>
+    <a:masterClrMapping/>
+  </p:clrMapOvr>
+</p:sld>
+</file>
+
+<file path=ppt/slides/slide6.xml><?xml version="1.0" encoding="utf-8"?>
+<p:sld xmlns:a="http://schemas.openxmlformats.org/drawingml/2006/main" xmlns:r="http://schemas.openxmlformats.org/officeDocument/2006/relationships" xmlns:p="http://schemas.openxmlformats.org/presentationml/2006/main">
+  <p:cSld>
+    <p:spTree>
+      <p:nvGrpSpPr>
+        <p:cNvPr id="1" name=""/>
+        <p:cNvGrpSpPr/>
+        <p:nvPr/>
+      </p:nvGrpSpPr>
+      <p:grpSpPr/>
+      <p:sp>
+        <p:nvSpPr>
+          <p:cNvPr id="2" name="标题 1"/>
+          <p:cNvSpPr>
+            <a:spLocks noGrp="1"/>
+          </p:cNvSpPr>
+          <p:nvPr>
+            <p:ph type="title"/>
+          </p:nvPr>
+        </p:nvSpPr>
+        <p:spPr/>
+        <p:txBody>
+          <a:bodyPr>
+            <a:normAutofit fontScale="90000"/>
+          </a:bodyPr>
+          <a:p>
+            <a:r>
+              <a:rPr lang="zh-CN" altLang="en-US">
+                <a:sym typeface="+mn-ea"/>
+              </a:rPr>
+              <a:t>Block Dynamic Scheduling in Shared Memory systems</a:t>
+            </a:r>
+            <a:endParaRPr lang="zh-CN" altLang="en-US"/>
           </a:p>
         </p:txBody>
       </p:sp>
@@ -3346,10 +3944,195 @@
         <p:txBody>
           <a:bodyPr/>
           <a:p>
-            <a:endParaRPr lang="zh-CN" altLang="en-US"/>
-          </a:p>
-        </p:txBody>
-      </p:sp>
+            <a:r>
+              <a:rPr lang="x-none" altLang="en-US">
+                <a:sym typeface="+mn-ea"/>
+              </a:rPr>
+              <a:t>a low cost solution to remove synchronization overhead</a:t>
+            </a:r>
+            <a:endParaRPr lang="x-none" altLang="en-US"/>
+          </a:p>
+          <a:p>
+            <a:r>
+              <a:rPr lang="x-none" altLang="en-US">
+                <a:sym typeface="+mn-ea"/>
+              </a:rPr>
+              <a:t>number of partitions is larger than the number of threads,</a:t>
+            </a:r>
+            <a:endParaRPr lang="x-none" altLang="en-US"/>
+          </a:p>
+          <a:p>
+            <a:r>
+              <a:rPr lang="x-none" altLang="en-US">
+                <a:sym typeface="+mn-ea"/>
+              </a:rPr>
+              <a:t>always ‘free’ rows and columns avaliable when one thread finishes its current task.</a:t>
+            </a:r>
+            <a:endParaRPr lang="x-none" altLang="en-US"/>
+          </a:p>
+          <a:p>
+            <a:endParaRPr lang="zh-CN" altLang="en-US"/>
+          </a:p>
+        </p:txBody>
+      </p:sp>
+      <p:pic>
+        <p:nvPicPr>
+          <p:cNvPr id="7" name="Picture 6"/>
+          <p:cNvPicPr>
+            <a:picLocks noChangeAspect="1"/>
+          </p:cNvPicPr>
+          <p:nvPr>
+            <p:ph sz="half" idx="1"/>
+          </p:nvPr>
+        </p:nvPicPr>
+        <p:blipFill>
+          <a:blip r:embed="rId1"/>
+          <a:stretch>
+            <a:fillRect/>
+          </a:stretch>
+        </p:blipFill>
+        <p:spPr>
+          <a:xfrm>
+            <a:off x="1356995" y="1825625"/>
+            <a:ext cx="4143375" cy="4351655"/>
+          </a:xfrm>
+          <a:prstGeom prst="rect">
+            <a:avLst/>
+          </a:prstGeom>
+        </p:spPr>
+      </p:pic>
+    </p:spTree>
+  </p:cSld>
+  <p:clrMapOvr>
+    <a:masterClrMapping/>
+  </p:clrMapOvr>
+</p:sld>
+</file>
+
+<file path=ppt/slides/slide7.xml><?xml version="1.0" encoding="utf-8"?>
+<p:sld xmlns:a="http://schemas.openxmlformats.org/drawingml/2006/main" xmlns:r="http://schemas.openxmlformats.org/officeDocument/2006/relationships" xmlns:p="http://schemas.openxmlformats.org/presentationml/2006/main">
+  <p:cSld>
+    <p:spTree>
+      <p:nvGrpSpPr>
+        <p:cNvPr id="1" name=""/>
+        <p:cNvGrpSpPr/>
+        <p:nvPr/>
+      </p:nvGrpSpPr>
+      <p:grpSpPr/>
+      <p:sp>
+        <p:nvSpPr>
+          <p:cNvPr id="2" name="标题 1"/>
+          <p:cNvSpPr>
+            <a:spLocks noGrp="1"/>
+          </p:cNvSpPr>
+          <p:nvPr>
+            <p:ph type="title"/>
+          </p:nvPr>
+        </p:nvSpPr>
+        <p:spPr/>
+        <p:txBody>
+          <a:bodyPr>
+            <a:normAutofit fontScale="90000"/>
+          </a:bodyPr>
+          <a:p>
+            <a:r>
+              <a:rPr lang="en-US">
+                <a:sym typeface="+mn-ea"/>
+              </a:rPr>
+              <a:t>Pipelining and Timer Control in Distributed Systems</a:t>
+            </a:r>
+            <a:endParaRPr lang="zh-CN" altLang="en-US"/>
+          </a:p>
+        </p:txBody>
+      </p:sp>
+      <p:sp>
+        <p:nvSpPr>
+          <p:cNvPr id="4" name="内容占位符 3"/>
+          <p:cNvSpPr>
+            <a:spLocks noGrp="1"/>
+          </p:cNvSpPr>
+          <p:nvPr>
+            <p:ph sz="half" idx="2"/>
+          </p:nvPr>
+        </p:nvSpPr>
+        <p:spPr/>
+        <p:txBody>
+          <a:bodyPr>
+            <a:normAutofit fontScale="90000" lnSpcReduction="10000"/>
+          </a:bodyPr>
+          <a:p>
+            <a:r>
+              <a:rPr lang="x-none" altLang="en-US">
+                <a:sym typeface="+mn-ea"/>
+              </a:rPr>
+              <a:t>Each sampler only works for the same period of time and then the samplers do synchronization all together.</a:t>
+            </a:r>
+            <a:endParaRPr lang="x-none" altLang="en-US"/>
+          </a:p>
+          <a:p>
+            <a:r>
+              <a:rPr lang="x-none" altLang="en-US">
+                <a:sym typeface="+mn-ea"/>
+              </a:rPr>
+              <a:t>They all use a </a:t>
+            </a:r>
+            <a:r>
+              <a:rPr lang="x-none" altLang="en-US">
+                <a:solidFill>
+                  <a:srgbClr val="FF0000"/>
+                </a:solidFill>
+                <a:sym typeface="+mn-ea"/>
+              </a:rPr>
+              <a:t>timer </a:t>
+            </a:r>
+            <a:r>
+              <a:rPr lang="x-none" altLang="en-US">
+                <a:sym typeface="+mn-ea"/>
+              </a:rPr>
+              <a:t>to control the synchronization point rather than waiting until all the blocks to finish.</a:t>
+            </a:r>
+            <a:endParaRPr lang="x-none" altLang="en-US"/>
+          </a:p>
+          <a:p>
+            <a:r>
+              <a:rPr lang="x-none" altLang="en-US">
+                <a:sym typeface="+mn-ea"/>
+              </a:rPr>
+              <a:t>This adjustment does not change the property of the uniform random selection of blocks.</a:t>
+            </a:r>
+            <a:endParaRPr lang="x-none" altLang="en-US"/>
+          </a:p>
+          <a:p>
+            <a:endParaRPr lang="zh-CN" altLang="en-US"/>
+          </a:p>
+        </p:txBody>
+      </p:sp>
+      <p:pic>
+        <p:nvPicPr>
+          <p:cNvPr id="6" name="Picture 5"/>
+          <p:cNvPicPr>
+            <a:picLocks noChangeAspect="1"/>
+          </p:cNvPicPr>
+          <p:nvPr>
+            <p:ph sz="half" idx="1"/>
+          </p:nvPr>
+        </p:nvPicPr>
+        <p:blipFill>
+          <a:blip r:embed="rId1"/>
+          <a:stretch>
+            <a:fillRect/>
+          </a:stretch>
+        </p:blipFill>
+        <p:spPr>
+          <a:xfrm>
+            <a:off x="944245" y="1825625"/>
+            <a:ext cx="4968875" cy="4351655"/>
+          </a:xfrm>
+          <a:prstGeom prst="rect">
+            <a:avLst/>
+          </a:prstGeom>
+        </p:spPr>
+      </p:pic>
     </p:spTree>
   </p:cSld>
   <p:clrMapOvr>
